--- a/Amazon_Reviews_BI_Project.pptx
+++ b/Amazon_Reviews_BI_Project.pptx
@@ -468,7 +468,7 @@
           <a:p>
             <a:fld id="{5BCAD085-E8A6-8845-BD4E-CB4CCA059FC4}" type="datetimeFigureOut">
               <a:rPr lang="en-US" smtClean="0"/>
-              <a:t>9/29/2025</a:t>
+              <a:t>10/11/2025</a:t>
             </a:fld>
             <a:endParaRPr lang="en-US"/>
           </a:p>
@@ -792,7 +792,7 @@
           <a:p>
             <a:fld id="{5BCAD085-E8A6-8845-BD4E-CB4CCA059FC4}" type="datetimeFigureOut">
               <a:rPr lang="en-US" smtClean="0"/>
-              <a:t>9/29/2025</a:t>
+              <a:t>10/11/2025</a:t>
             </a:fld>
             <a:endParaRPr lang="en-US"/>
           </a:p>
@@ -1040,7 +1040,7 @@
           <a:p>
             <a:fld id="{5BCAD085-E8A6-8845-BD4E-CB4CCA059FC4}" type="datetimeFigureOut">
               <a:rPr lang="en-US" smtClean="0"/>
-              <a:t>9/29/2025</a:t>
+              <a:t>10/11/2025</a:t>
             </a:fld>
             <a:endParaRPr lang="en-US"/>
           </a:p>
@@ -1379,7 +1379,7 @@
           <a:p>
             <a:fld id="{5BCAD085-E8A6-8845-BD4E-CB4CCA059FC4}" type="datetimeFigureOut">
               <a:rPr lang="en-US" smtClean="0"/>
-              <a:t>9/29/2025</a:t>
+              <a:t>10/11/2025</a:t>
             </a:fld>
             <a:endParaRPr lang="en-US"/>
           </a:p>
@@ -1726,7 +1726,7 @@
           <a:p>
             <a:fld id="{5BCAD085-E8A6-8845-BD4E-CB4CCA059FC4}" type="datetimeFigureOut">
               <a:rPr lang="en-US" smtClean="0"/>
-              <a:t>9/29/2025</a:t>
+              <a:t>10/11/2025</a:t>
             </a:fld>
             <a:endParaRPr lang="en-US"/>
           </a:p>
@@ -2100,7 +2100,7 @@
           <a:p>
             <a:fld id="{5BCAD085-E8A6-8845-BD4E-CB4CCA059FC4}" type="datetimeFigureOut">
               <a:rPr lang="en-US" smtClean="0"/>
-              <a:t>9/29/2025</a:t>
+              <a:t>10/11/2025</a:t>
             </a:fld>
             <a:endParaRPr lang="en-US"/>
           </a:p>
@@ -2570,7 +2570,7 @@
           <a:p>
             <a:fld id="{5BCAD085-E8A6-8845-BD4E-CB4CCA059FC4}" type="datetimeFigureOut">
               <a:rPr lang="en-US" smtClean="0"/>
-              <a:t>9/29/2025</a:t>
+              <a:t>10/11/2025</a:t>
             </a:fld>
             <a:endParaRPr lang="en-US"/>
           </a:p>
@@ -2780,7 +2780,7 @@
           <a:p>
             <a:fld id="{5BCAD085-E8A6-8845-BD4E-CB4CCA059FC4}" type="datetimeFigureOut">
               <a:rPr lang="en-US" smtClean="0"/>
-              <a:t>9/29/2025</a:t>
+              <a:t>10/11/2025</a:t>
             </a:fld>
             <a:endParaRPr lang="en-US"/>
           </a:p>
@@ -2991,7 +2991,7 @@
           <a:p>
             <a:fld id="{5BCAD085-E8A6-8845-BD4E-CB4CCA059FC4}" type="datetimeFigureOut">
               <a:rPr lang="en-US" smtClean="0"/>
-              <a:t>9/29/2025</a:t>
+              <a:t>10/11/2025</a:t>
             </a:fld>
             <a:endParaRPr lang="en-US"/>
           </a:p>
@@ -3223,7 +3223,7 @@
           <a:p>
             <a:fld id="{5BCAD085-E8A6-8845-BD4E-CB4CCA059FC4}" type="datetimeFigureOut">
               <a:rPr lang="en-US" smtClean="0"/>
-              <a:t>9/29/2025</a:t>
+              <a:t>10/11/2025</a:t>
             </a:fld>
             <a:endParaRPr lang="en-US"/>
           </a:p>
@@ -3471,7 +3471,7 @@
           <a:p>
             <a:fld id="{5BCAD085-E8A6-8845-BD4E-CB4CCA059FC4}" type="datetimeFigureOut">
               <a:rPr lang="en-US" smtClean="0"/>
-              <a:t>9/29/2025</a:t>
+              <a:t>10/11/2025</a:t>
             </a:fld>
             <a:endParaRPr lang="en-US"/>
           </a:p>
@@ -3774,7 +3774,7 @@
           <a:p>
             <a:fld id="{5BCAD085-E8A6-8845-BD4E-CB4CCA059FC4}" type="datetimeFigureOut">
               <a:rPr lang="en-US" smtClean="0"/>
-              <a:t>9/29/2025</a:t>
+              <a:t>10/11/2025</a:t>
             </a:fld>
             <a:endParaRPr lang="en-US"/>
           </a:p>
@@ -4156,7 +4156,7 @@
           <a:p>
             <a:fld id="{5BCAD085-E8A6-8845-BD4E-CB4CCA059FC4}" type="datetimeFigureOut">
               <a:rPr lang="en-US" smtClean="0"/>
-              <a:t>9/29/2025</a:t>
+              <a:t>10/11/2025</a:t>
             </a:fld>
             <a:endParaRPr lang="en-US"/>
           </a:p>
@@ -4310,7 +4310,7 @@
           <a:p>
             <a:fld id="{5BCAD085-E8A6-8845-BD4E-CB4CCA059FC4}" type="datetimeFigureOut">
               <a:rPr lang="en-US" smtClean="0"/>
-              <a:t>9/29/2025</a:t>
+              <a:t>10/11/2025</a:t>
             </a:fld>
             <a:endParaRPr lang="en-US"/>
           </a:p>
@@ -4436,7 +4436,7 @@
           <a:p>
             <a:fld id="{5BCAD085-E8A6-8845-BD4E-CB4CCA059FC4}" type="datetimeFigureOut">
               <a:rPr lang="en-US" smtClean="0"/>
-              <a:t>9/29/2025</a:t>
+              <a:t>10/11/2025</a:t>
             </a:fld>
             <a:endParaRPr lang="en-US"/>
           </a:p>
@@ -4691,7 +4691,7 @@
           <a:p>
             <a:fld id="{5BCAD085-E8A6-8845-BD4E-CB4CCA059FC4}" type="datetimeFigureOut">
               <a:rPr lang="en-US" smtClean="0"/>
-              <a:t>9/29/2025</a:t>
+              <a:t>10/11/2025</a:t>
             </a:fld>
             <a:endParaRPr lang="en-US"/>
           </a:p>
@@ -5005,7 +5005,7 @@
           <a:p>
             <a:fld id="{5BCAD085-E8A6-8845-BD4E-CB4CCA059FC4}" type="datetimeFigureOut">
               <a:rPr lang="en-US" smtClean="0"/>
-              <a:t>9/29/2025</a:t>
+              <a:t>10/11/2025</a:t>
             </a:fld>
             <a:endParaRPr lang="en-US"/>
           </a:p>
@@ -5356,7 +5356,7 @@
           <a:p>
             <a:fld id="{5BCAD085-E8A6-8845-BD4E-CB4CCA059FC4}" type="datetimeFigureOut">
               <a:rPr lang="en-US" smtClean="0"/>
-              <a:t>9/29/2025</a:t>
+              <a:t>10/11/2025</a:t>
             </a:fld>
             <a:endParaRPr lang="en-US"/>
           </a:p>
@@ -6705,12 +6705,20 @@
               <a:rPr lang="en-IN" sz="2800" dirty="0" smtClean="0"/>
               <a:t>122B1B124 		    Vedant Kale</a:t>
             </a:r>
+            <a:r>
+              <a:rPr lang="en-IN" sz="2800" smtClean="0"/>
+              <a:t/>
+            </a:r>
             <a:br>
+              <a:rPr lang="en-IN" sz="2800" smtClean="0"/>
+            </a:br>
+            <a:r>
+              <a:rPr lang="en-IN" sz="2800" smtClean="0"/>
+              <a:t>122B1B138  </a:t>
+            </a:r>
+            <a:r>
               <a:rPr lang="en-IN" sz="2800" dirty="0" smtClean="0"/>
-            </a:br>
-            <a:r>
-              <a:rPr lang="en-IN" sz="2800" dirty="0" smtClean="0"/>
-              <a:t>122B1B139  		    </a:t>
+              <a:t>		    </a:t>
             </a:r>
             <a:r>
               <a:rPr lang="en-IN" sz="2800" dirty="0" err="1" smtClean="0"/>

--- a/Amazon_Reviews_BI_Project.pptx
+++ b/Amazon_Reviews_BI_Project.pptx
@@ -9,17 +9,21 @@
     <p:sldId id="271" r:id="rId3"/>
     <p:sldId id="270" r:id="rId4"/>
     <p:sldId id="258" r:id="rId5"/>
-    <p:sldId id="259" r:id="rId6"/>
-    <p:sldId id="260" r:id="rId7"/>
-    <p:sldId id="262" r:id="rId8"/>
-    <p:sldId id="267" r:id="rId9"/>
-    <p:sldId id="266" r:id="rId10"/>
-    <p:sldId id="265" r:id="rId11"/>
-    <p:sldId id="261" r:id="rId12"/>
-    <p:sldId id="263" r:id="rId13"/>
-    <p:sldId id="269" r:id="rId14"/>
-    <p:sldId id="268" r:id="rId15"/>
-    <p:sldId id="264" r:id="rId16"/>
+    <p:sldId id="273" r:id="rId6"/>
+    <p:sldId id="259" r:id="rId7"/>
+    <p:sldId id="274" r:id="rId8"/>
+    <p:sldId id="275" r:id="rId9"/>
+    <p:sldId id="272" r:id="rId10"/>
+    <p:sldId id="260" r:id="rId11"/>
+    <p:sldId id="262" r:id="rId12"/>
+    <p:sldId id="267" r:id="rId13"/>
+    <p:sldId id="266" r:id="rId14"/>
+    <p:sldId id="265" r:id="rId15"/>
+    <p:sldId id="261" r:id="rId16"/>
+    <p:sldId id="263" r:id="rId17"/>
+    <p:sldId id="269" r:id="rId18"/>
+    <p:sldId id="268" r:id="rId19"/>
+    <p:sldId id="264" r:id="rId20"/>
   </p:sldIdLst>
   <p:sldSz cx="9144000" cy="6858000" type="screen4x3"/>
   <p:notesSz cx="6858000" cy="9144000"/>
@@ -5985,7 +5989,7 @@
         </p:nvSpPr>
         <p:spPr>
           <a:xfrm>
-            <a:off x="1247014" y="402805"/>
+            <a:off x="1176601" y="264319"/>
             <a:ext cx="6799262" cy="1303337"/>
           </a:xfrm>
         </p:spPr>
@@ -5994,16 +5998,15 @@
           <a:lstStyle/>
           <a:p>
             <a:r>
-              <a:rPr lang="en-IN" dirty="0" smtClean="0"/>
-              <a:t>Review Length by Sentiment</a:t>
-            </a:r>
-            <a:endParaRPr dirty="0"/>
+              <a:rPr dirty="0"/>
+              <a:t>Sentiment Distribution</a:t>
+            </a:r>
           </a:p>
         </p:txBody>
       </p:sp>
       <p:pic>
         <p:nvPicPr>
-          <p:cNvPr id="3" name="Picture 2"/>
+          <p:cNvPr id="4" name="Picture 3" descr="sentiment_pie.png"/>
           <p:cNvPicPr>
             <a:picLocks noChangeAspect="1"/>
           </p:cNvPicPr>
@@ -6017,37 +6020,38 @@
         </p:blipFill>
         <p:spPr>
           <a:xfrm>
-            <a:off x="1622020" y="1477153"/>
-            <a:ext cx="6049250" cy="4350266"/>
-          </a:xfrm>
-          <a:prstGeom prst="roundRect">
-            <a:avLst>
-              <a:gd name="adj" fmla="val 8594"/>
-            </a:avLst>
+            <a:off x="2241031" y="1447181"/>
+            <a:ext cx="4486340" cy="4486340"/>
+          </a:xfrm>
+          <a:prstGeom prst="rect">
+            <a:avLst/>
           </a:prstGeom>
-          <a:solidFill>
-            <a:srgbClr val="FFFFFF">
-              <a:shade val="85000"/>
-            </a:srgbClr>
-          </a:solidFill>
-          <a:ln>
-            <a:noFill/>
+          <a:ln w="88900" cap="sq" cmpd="thickThin">
+            <a:solidFill>
+              <a:srgbClr val="000000"/>
+            </a:solidFill>
+            <a:prstDash val="solid"/>
+            <a:miter lim="800000"/>
           </a:ln>
           <a:effectLst>
-            <a:reflection blurRad="12700" stA="38000" endPos="28000" dist="5000" dir="5400000" sy="-100000" algn="bl" rotWithShape="0"/>
+            <a:innerShdw blurRad="76200">
+              <a:srgbClr val="000000"/>
+            </a:innerShdw>
           </a:effectLst>
         </p:spPr>
       </p:pic>
     </p:spTree>
-    <p:extLst>
-      <p:ext uri="{BB962C8B-B14F-4D97-AF65-F5344CB8AC3E}">
-        <p14:creationId xmlns:p14="http://schemas.microsoft.com/office/powerpoint/2010/main" val="3265295324"/>
-      </p:ext>
-    </p:extLst>
   </p:cSld>
   <p:clrMapOvr>
     <a:masterClrMapping/>
   </p:clrMapOvr>
+  <p:timing>
+    <p:tnLst>
+      <p:par>
+        <p:cTn id="1" dur="indefinite" restart="never" nodeType="tmRoot"/>
+      </p:par>
+    </p:tnLst>
+  </p:timing>
 </p:sld>
 </file>
 
@@ -6080,26 +6084,27 @@
         </p:nvSpPr>
         <p:spPr>
           <a:xfrm>
-            <a:off x="1176601" y="458788"/>
+            <a:off x="1247014" y="402805"/>
             <a:ext cx="6799262" cy="1303337"/>
           </a:xfrm>
         </p:spPr>
         <p:txBody>
           <a:bodyPr>
-            <a:normAutofit fontScale="90000"/>
+            <a:normAutofit/>
           </a:bodyPr>
           <a:lstStyle/>
           <a:p>
             <a:r>
-              <a:rPr dirty="0"/>
-              <a:t>Common Issues in Negative Reviews</a:t>
-            </a:r>
+              <a:rPr lang="en-IN" dirty="0" smtClean="0"/>
+              <a:t>Distribution of Ratings</a:t>
+            </a:r>
+            <a:endParaRPr dirty="0"/>
           </a:p>
         </p:txBody>
       </p:sp>
       <p:pic>
         <p:nvPicPr>
-          <p:cNvPr id="3" name="Picture 2"/>
+          <p:cNvPr id="5" name="Picture 4"/>
           <p:cNvPicPr>
             <a:picLocks noChangeAspect="1"/>
           </p:cNvPicPr>
@@ -6113,8 +6118,8 @@
         </p:blipFill>
         <p:spPr>
           <a:xfrm>
-            <a:off x="1112412" y="1762125"/>
-            <a:ext cx="6927640" cy="3698655"/>
+            <a:off x="1483470" y="1514474"/>
+            <a:ext cx="6326349" cy="4399987"/>
           </a:xfrm>
           <a:prstGeom prst="roundRect">
             <a:avLst>
@@ -6171,118 +6176,65 @@
         </p:nvSpPr>
         <p:spPr>
           <a:xfrm>
-            <a:off x="802433" y="533303"/>
-            <a:ext cx="7500938" cy="1303337"/>
-          </a:xfrm>
-        </p:spPr>
-        <p:txBody>
-          <a:bodyPr>
-            <a:normAutofit fontScale="90000"/>
-          </a:bodyPr>
-          <a:lstStyle/>
-          <a:p>
-            <a:r>
-              <a:rPr lang="en-IN" dirty="0"/>
-              <a:t>Improving Search &amp; Recommendations</a:t>
+            <a:off x="1247014" y="402805"/>
+            <a:ext cx="6799262" cy="1303337"/>
+          </a:xfrm>
+        </p:spPr>
+        <p:txBody>
+          <a:bodyPr/>
+          <a:lstStyle/>
+          <a:p>
+            <a:r>
+              <a:rPr lang="en-IN" dirty="0" smtClean="0"/>
+              <a:t>Distribution of Sentiment</a:t>
             </a:r>
             <a:endParaRPr dirty="0"/>
           </a:p>
         </p:txBody>
       </p:sp>
-      <p:sp>
-        <p:nvSpPr>
-          <p:cNvPr id="3" name="Content Placeholder 2"/>
-          <p:cNvSpPr>
-            <a:spLocks noGrp="1"/>
-          </p:cNvSpPr>
-          <p:nvPr>
-            <p:ph idx="4294967295"/>
-          </p:nvPr>
-        </p:nvSpPr>
-        <p:spPr>
-          <a:xfrm>
-            <a:off x="717679" y="1836640"/>
-            <a:ext cx="7810500" cy="3444875"/>
-          </a:xfrm>
-        </p:spPr>
-        <p:txBody>
-          <a:bodyPr>
-            <a:noAutofit/>
-          </a:bodyPr>
-          <a:lstStyle/>
-          <a:p>
-            <a:pPr marL="0" indent="0" algn="just">
-              <a:buNone/>
-            </a:pPr>
-            <a:r>
-              <a:rPr lang="en-GB" b="1" dirty="0"/>
-              <a:t>Problem: </a:t>
-            </a:r>
-            <a:r>
-              <a:rPr lang="en-GB" dirty="0"/>
-              <a:t>Customers face irrelevant search results and poor product recommendations, leading to a negative experience. </a:t>
-            </a:r>
-            <a:endParaRPr lang="en-GB" dirty="0" smtClean="0"/>
-          </a:p>
-          <a:p>
-            <a:pPr marL="0" indent="0" algn="just">
-              <a:buNone/>
-            </a:pPr>
-            <a:r>
-              <a:rPr lang="en-GB" b="1" dirty="0" smtClean="0"/>
-              <a:t>Insight</a:t>
-            </a:r>
-            <a:r>
-              <a:rPr lang="en-GB" b="1" dirty="0"/>
-              <a:t>: </a:t>
-            </a:r>
-            <a:r>
-              <a:rPr lang="en-GB" dirty="0"/>
-              <a:t>The vast majority of reviews are positive (78.0%), indicating a strong signal for product quality. </a:t>
-            </a:r>
-            <a:endParaRPr lang="en-GB" dirty="0" smtClean="0"/>
-          </a:p>
-          <a:p>
-            <a:pPr algn="just">
-              <a:buFont typeface="Wingdings" panose="05000000000000000000" pitchFamily="2" charset="2"/>
-              <a:buChar char="Ø"/>
-            </a:pPr>
-            <a:r>
-              <a:rPr lang="en-GB" dirty="0" smtClean="0"/>
-              <a:t>Solution </a:t>
-            </a:r>
-            <a:r>
-              <a:rPr lang="en-GB" dirty="0"/>
-              <a:t>1: Prioritize and rank products with a higher volume of positive reviews in search results to improve relevance. </a:t>
-            </a:r>
-            <a:endParaRPr lang="en-GB" dirty="0" smtClean="0"/>
-          </a:p>
-          <a:p>
-            <a:pPr algn="just">
-              <a:buFont typeface="Wingdings" panose="05000000000000000000" pitchFamily="2" charset="2"/>
-              <a:buChar char="Ø"/>
-            </a:pPr>
-            <a:r>
-              <a:rPr lang="en-GB" dirty="0" smtClean="0"/>
-              <a:t>Solution 2</a:t>
-            </a:r>
-            <a:r>
-              <a:rPr lang="en-GB" dirty="0"/>
-              <a:t>: Enhance recommendation engines by personalizing suggestions based on a user's past </a:t>
-            </a:r>
-            <a:r>
-              <a:rPr lang="en-GB" dirty="0" err="1"/>
-              <a:t>behavior</a:t>
-            </a:r>
-            <a:r>
-              <a:rPr lang="en-GB" dirty="0"/>
-              <a:t> combined with the sentiment of reviews for potential products</a:t>
-            </a:r>
-            <a:endParaRPr dirty="0"/>
-          </a:p>
-        </p:txBody>
-      </p:sp>
+      <p:pic>
+        <p:nvPicPr>
+          <p:cNvPr id="3" name="Picture 2"/>
+          <p:cNvPicPr>
+            <a:picLocks noChangeAspect="1"/>
+          </p:cNvPicPr>
+          <p:nvPr/>
+        </p:nvPicPr>
+        <p:blipFill>
+          <a:blip r:embed="rId2"/>
+          <a:stretch>
+            <a:fillRect/>
+          </a:stretch>
+        </p:blipFill>
+        <p:spPr>
+          <a:xfrm>
+            <a:off x="1684078" y="1640828"/>
+            <a:ext cx="5925133" cy="4120940"/>
+          </a:xfrm>
+          <a:prstGeom prst="roundRect">
+            <a:avLst>
+              <a:gd name="adj" fmla="val 8594"/>
+            </a:avLst>
+          </a:prstGeom>
+          <a:solidFill>
+            <a:srgbClr val="FFFFFF">
+              <a:shade val="85000"/>
+            </a:srgbClr>
+          </a:solidFill>
+          <a:ln>
+            <a:noFill/>
+          </a:ln>
+          <a:effectLst>
+            <a:reflection blurRad="12700" stA="38000" endPos="28000" dist="5000" dir="5400000" sy="-100000" algn="bl" rotWithShape="0"/>
+          </a:effectLst>
+        </p:spPr>
+      </p:pic>
     </p:spTree>
+    <p:extLst>
+      <p:ext uri="{BB962C8B-B14F-4D97-AF65-F5344CB8AC3E}">
+        <p14:creationId xmlns:p14="http://schemas.microsoft.com/office/powerpoint/2010/main" val="1025759152"/>
+      </p:ext>
+    </p:extLst>
   </p:cSld>
   <p:clrMapOvr>
     <a:masterClrMapping/>
@@ -6319,114 +6271,62 @@
         </p:nvSpPr>
         <p:spPr>
           <a:xfrm>
-            <a:off x="802433" y="533303"/>
-            <a:ext cx="7500938" cy="1303337"/>
-          </a:xfrm>
-        </p:spPr>
-        <p:txBody>
-          <a:bodyPr>
-            <a:normAutofit/>
-          </a:bodyPr>
-          <a:lstStyle/>
-          <a:p>
-            <a:r>
-              <a:rPr lang="en-IN" dirty="0"/>
-              <a:t>Resolving Common Customer Issues</a:t>
-            </a:r>
-            <a:endParaRPr dirty="0"/>
-          </a:p>
-        </p:txBody>
-      </p:sp>
-      <p:sp>
-        <p:nvSpPr>
-          <p:cNvPr id="3" name="Content Placeholder 2"/>
-          <p:cNvSpPr>
-            <a:spLocks noGrp="1"/>
-          </p:cNvSpPr>
-          <p:nvPr>
-            <p:ph idx="4294967295"/>
-          </p:nvPr>
-        </p:nvSpPr>
-        <p:spPr>
-          <a:xfrm>
-            <a:off x="717679" y="1836640"/>
-            <a:ext cx="7810500" cy="3444875"/>
-          </a:xfrm>
-        </p:spPr>
-        <p:txBody>
-          <a:bodyPr>
-            <a:noAutofit/>
-          </a:bodyPr>
-          <a:lstStyle/>
-          <a:p>
-            <a:pPr marL="0" indent="0" algn="just">
-              <a:buNone/>
-            </a:pPr>
-            <a:r>
-              <a:rPr lang="en-GB" b="1" dirty="0"/>
-              <a:t>Problem: </a:t>
-            </a:r>
-            <a:r>
-              <a:rPr lang="en-GB" dirty="0"/>
-              <a:t>Negative customer experiences related to product and delivery lead to frustration and lost sales. </a:t>
-            </a:r>
-            <a:endParaRPr lang="en-GB" dirty="0" smtClean="0"/>
-          </a:p>
-          <a:p>
-            <a:pPr marL="0" indent="0" algn="just">
-              <a:buNone/>
-            </a:pPr>
-            <a:r>
-              <a:rPr lang="en-GB" b="1" dirty="0" smtClean="0"/>
-              <a:t>Insight</a:t>
-            </a:r>
-            <a:r>
-              <a:rPr lang="en-GB" b="1" dirty="0"/>
-              <a:t>: </a:t>
-            </a:r>
-            <a:r>
-              <a:rPr lang="en-GB" dirty="0"/>
-              <a:t>A word cloud analysis of negative reviews shows that common complaints are related to "</a:t>
-            </a:r>
-            <a:r>
-              <a:rPr lang="en-GB" dirty="0" err="1"/>
-              <a:t>flavor</a:t>
-            </a:r>
-            <a:r>
-              <a:rPr lang="en-GB" dirty="0"/>
-              <a:t>," "taste," "product," "package," and "box". </a:t>
-            </a:r>
-            <a:endParaRPr lang="en-GB" dirty="0" smtClean="0"/>
-          </a:p>
-          <a:p>
-            <a:pPr algn="just">
-              <a:buFont typeface="Wingdings" panose="05000000000000000000" pitchFamily="2" charset="2"/>
-              <a:buChar char="Ø"/>
-            </a:pPr>
-            <a:r>
-              <a:rPr lang="en-GB" dirty="0" smtClean="0"/>
-              <a:t>Solution</a:t>
-            </a:r>
-            <a:r>
-              <a:rPr lang="en-GB" dirty="0"/>
-              <a:t>: Proactively identify and address recurring issues with product quality (taste/</a:t>
-            </a:r>
-            <a:r>
-              <a:rPr lang="en-GB" dirty="0" err="1"/>
-              <a:t>flavor</a:t>
-            </a:r>
-            <a:r>
-              <a:rPr lang="en-GB" dirty="0"/>
-              <a:t>) and fix delivery or packaging problems that are frequently mentioned in negative feedback.</a:t>
-            </a:r>
-            <a:endParaRPr dirty="0"/>
-          </a:p>
-        </p:txBody>
-      </p:sp>
+            <a:off x="1247014" y="402805"/>
+            <a:ext cx="6799262" cy="1303337"/>
+          </a:xfrm>
+        </p:spPr>
+        <p:txBody>
+          <a:bodyPr/>
+          <a:lstStyle/>
+          <a:p>
+            <a:r>
+              <a:rPr dirty="0"/>
+              <a:t>Average Rating by Sentiment</a:t>
+            </a:r>
+          </a:p>
+        </p:txBody>
+      </p:sp>
+      <p:pic>
+        <p:nvPicPr>
+          <p:cNvPr id="4" name="Picture 3" descr="avg_rating_by_sentiment.png"/>
+          <p:cNvPicPr>
+            <a:picLocks noChangeAspect="1"/>
+          </p:cNvPicPr>
+          <p:nvPr/>
+        </p:nvPicPr>
+        <p:blipFill>
+          <a:blip r:embed="rId2"/>
+          <a:stretch>
+            <a:fillRect/>
+          </a:stretch>
+        </p:blipFill>
+        <p:spPr>
+          <a:xfrm>
+            <a:off x="1557746" y="1573142"/>
+            <a:ext cx="6177798" cy="4118532"/>
+          </a:xfrm>
+          <a:prstGeom prst="roundRect">
+            <a:avLst>
+              <a:gd name="adj" fmla="val 8594"/>
+            </a:avLst>
+          </a:prstGeom>
+          <a:solidFill>
+            <a:srgbClr val="FFFFFF">
+              <a:shade val="85000"/>
+            </a:srgbClr>
+          </a:solidFill>
+          <a:ln>
+            <a:noFill/>
+          </a:ln>
+          <a:effectLst>
+            <a:reflection blurRad="12700" stA="38000" endPos="28000" dist="5000" dir="5400000" sy="-100000" algn="bl" rotWithShape="0"/>
+          </a:effectLst>
+        </p:spPr>
+      </p:pic>
     </p:spTree>
     <p:extLst>
       <p:ext uri="{BB962C8B-B14F-4D97-AF65-F5344CB8AC3E}">
-        <p14:creationId xmlns:p14="http://schemas.microsoft.com/office/powerpoint/2010/main" val="1588403739"/>
+        <p14:creationId xmlns:p14="http://schemas.microsoft.com/office/powerpoint/2010/main" val="1038013026"/>
       </p:ext>
     </p:extLst>
   </p:cSld>
@@ -6460,6 +6360,486 @@
             <a:spLocks noGrp="1"/>
           </p:cNvSpPr>
           <p:nvPr>
+            <p:ph type="title" idx="4294967295"/>
+          </p:nvPr>
+        </p:nvSpPr>
+        <p:spPr>
+          <a:xfrm>
+            <a:off x="1247014" y="402805"/>
+            <a:ext cx="6799262" cy="1303337"/>
+          </a:xfrm>
+        </p:spPr>
+        <p:txBody>
+          <a:bodyPr/>
+          <a:lstStyle/>
+          <a:p>
+            <a:r>
+              <a:rPr lang="en-IN" dirty="0" smtClean="0"/>
+              <a:t>Review Length by Sentiment</a:t>
+            </a:r>
+            <a:endParaRPr dirty="0"/>
+          </a:p>
+        </p:txBody>
+      </p:sp>
+      <p:pic>
+        <p:nvPicPr>
+          <p:cNvPr id="3" name="Picture 2"/>
+          <p:cNvPicPr>
+            <a:picLocks noChangeAspect="1"/>
+          </p:cNvPicPr>
+          <p:nvPr/>
+        </p:nvPicPr>
+        <p:blipFill>
+          <a:blip r:embed="rId2"/>
+          <a:stretch>
+            <a:fillRect/>
+          </a:stretch>
+        </p:blipFill>
+        <p:spPr>
+          <a:xfrm>
+            <a:off x="1622020" y="1477153"/>
+            <a:ext cx="6049250" cy="4350266"/>
+          </a:xfrm>
+          <a:prstGeom prst="roundRect">
+            <a:avLst>
+              <a:gd name="adj" fmla="val 8594"/>
+            </a:avLst>
+          </a:prstGeom>
+          <a:solidFill>
+            <a:srgbClr val="FFFFFF">
+              <a:shade val="85000"/>
+            </a:srgbClr>
+          </a:solidFill>
+          <a:ln>
+            <a:noFill/>
+          </a:ln>
+          <a:effectLst>
+            <a:reflection blurRad="12700" stA="38000" endPos="28000" dist="5000" dir="5400000" sy="-100000" algn="bl" rotWithShape="0"/>
+          </a:effectLst>
+        </p:spPr>
+      </p:pic>
+    </p:spTree>
+    <p:extLst>
+      <p:ext uri="{BB962C8B-B14F-4D97-AF65-F5344CB8AC3E}">
+        <p14:creationId xmlns:p14="http://schemas.microsoft.com/office/powerpoint/2010/main" val="3265295324"/>
+      </p:ext>
+    </p:extLst>
+  </p:cSld>
+  <p:clrMapOvr>
+    <a:masterClrMapping/>
+  </p:clrMapOvr>
+</p:sld>
+</file>
+
+<file path=ppt/slides/slide15.xml><?xml version="1.0" encoding="utf-8"?>
+<p:sld xmlns:a="http://schemas.openxmlformats.org/drawingml/2006/main" xmlns:r="http://schemas.openxmlformats.org/officeDocument/2006/relationships" xmlns:p="http://schemas.openxmlformats.org/presentationml/2006/main">
+  <p:cSld>
+    <p:spTree>
+      <p:nvGrpSpPr>
+        <p:cNvPr id="1" name=""/>
+        <p:cNvGrpSpPr/>
+        <p:nvPr/>
+      </p:nvGrpSpPr>
+      <p:grpSpPr>
+        <a:xfrm>
+          <a:off x="0" y="0"/>
+          <a:ext cx="0" cy="0"/>
+          <a:chOff x="0" y="0"/>
+          <a:chExt cx="0" cy="0"/>
+        </a:xfrm>
+      </p:grpSpPr>
+      <p:sp>
+        <p:nvSpPr>
+          <p:cNvPr id="2" name="Title 1"/>
+          <p:cNvSpPr>
+            <a:spLocks noGrp="1"/>
+          </p:cNvSpPr>
+          <p:nvPr>
+            <p:ph type="title" idx="4294967295"/>
+          </p:nvPr>
+        </p:nvSpPr>
+        <p:spPr>
+          <a:xfrm>
+            <a:off x="1176601" y="458788"/>
+            <a:ext cx="6799262" cy="1303337"/>
+          </a:xfrm>
+        </p:spPr>
+        <p:txBody>
+          <a:bodyPr>
+            <a:normAutofit fontScale="90000"/>
+          </a:bodyPr>
+          <a:lstStyle/>
+          <a:p>
+            <a:r>
+              <a:rPr dirty="0"/>
+              <a:t>Common Issues in Negative Reviews</a:t>
+            </a:r>
+          </a:p>
+        </p:txBody>
+      </p:sp>
+      <p:pic>
+        <p:nvPicPr>
+          <p:cNvPr id="3" name="Picture 2"/>
+          <p:cNvPicPr>
+            <a:picLocks noChangeAspect="1"/>
+          </p:cNvPicPr>
+          <p:nvPr/>
+        </p:nvPicPr>
+        <p:blipFill>
+          <a:blip r:embed="rId2"/>
+          <a:stretch>
+            <a:fillRect/>
+          </a:stretch>
+        </p:blipFill>
+        <p:spPr>
+          <a:xfrm>
+            <a:off x="1112412" y="1762125"/>
+            <a:ext cx="6927640" cy="3698655"/>
+          </a:xfrm>
+          <a:prstGeom prst="roundRect">
+            <a:avLst>
+              <a:gd name="adj" fmla="val 8594"/>
+            </a:avLst>
+          </a:prstGeom>
+          <a:solidFill>
+            <a:srgbClr val="FFFFFF">
+              <a:shade val="85000"/>
+            </a:srgbClr>
+          </a:solidFill>
+          <a:ln>
+            <a:noFill/>
+          </a:ln>
+          <a:effectLst>
+            <a:reflection blurRad="12700" stA="38000" endPos="28000" dist="5000" dir="5400000" sy="-100000" algn="bl" rotWithShape="0"/>
+          </a:effectLst>
+        </p:spPr>
+      </p:pic>
+    </p:spTree>
+  </p:cSld>
+  <p:clrMapOvr>
+    <a:masterClrMapping/>
+  </p:clrMapOvr>
+</p:sld>
+</file>
+
+<file path=ppt/slides/slide16.xml><?xml version="1.0" encoding="utf-8"?>
+<p:sld xmlns:a="http://schemas.openxmlformats.org/drawingml/2006/main" xmlns:r="http://schemas.openxmlformats.org/officeDocument/2006/relationships" xmlns:p="http://schemas.openxmlformats.org/presentationml/2006/main">
+  <p:cSld>
+    <p:spTree>
+      <p:nvGrpSpPr>
+        <p:cNvPr id="1" name=""/>
+        <p:cNvGrpSpPr/>
+        <p:nvPr/>
+      </p:nvGrpSpPr>
+      <p:grpSpPr>
+        <a:xfrm>
+          <a:off x="0" y="0"/>
+          <a:ext cx="0" cy="0"/>
+          <a:chOff x="0" y="0"/>
+          <a:chExt cx="0" cy="0"/>
+        </a:xfrm>
+      </p:grpSpPr>
+      <p:sp>
+        <p:nvSpPr>
+          <p:cNvPr id="2" name="Title 1"/>
+          <p:cNvSpPr>
+            <a:spLocks noGrp="1"/>
+          </p:cNvSpPr>
+          <p:nvPr>
+            <p:ph type="title" idx="4294967295"/>
+          </p:nvPr>
+        </p:nvSpPr>
+        <p:spPr>
+          <a:xfrm>
+            <a:off x="802433" y="533303"/>
+            <a:ext cx="7500938" cy="1303337"/>
+          </a:xfrm>
+        </p:spPr>
+        <p:txBody>
+          <a:bodyPr>
+            <a:normAutofit fontScale="90000"/>
+          </a:bodyPr>
+          <a:lstStyle/>
+          <a:p>
+            <a:r>
+              <a:rPr lang="en-IN" dirty="0"/>
+              <a:t>Improving Search &amp; Recommendations</a:t>
+            </a:r>
+            <a:endParaRPr dirty="0"/>
+          </a:p>
+        </p:txBody>
+      </p:sp>
+      <p:sp>
+        <p:nvSpPr>
+          <p:cNvPr id="3" name="Content Placeholder 2"/>
+          <p:cNvSpPr>
+            <a:spLocks noGrp="1"/>
+          </p:cNvSpPr>
+          <p:nvPr>
+            <p:ph idx="4294967295"/>
+          </p:nvPr>
+        </p:nvSpPr>
+        <p:spPr>
+          <a:xfrm>
+            <a:off x="717679" y="1836640"/>
+            <a:ext cx="7810500" cy="3444875"/>
+          </a:xfrm>
+        </p:spPr>
+        <p:txBody>
+          <a:bodyPr>
+            <a:noAutofit/>
+          </a:bodyPr>
+          <a:lstStyle/>
+          <a:p>
+            <a:pPr marL="0" indent="0" algn="just">
+              <a:buNone/>
+            </a:pPr>
+            <a:r>
+              <a:rPr lang="en-GB" b="1" dirty="0"/>
+              <a:t>Problem: </a:t>
+            </a:r>
+            <a:r>
+              <a:rPr lang="en-GB" dirty="0"/>
+              <a:t>Customers face irrelevant search results and poor product recommendations, leading to a negative experience. </a:t>
+            </a:r>
+            <a:endParaRPr lang="en-GB" dirty="0" smtClean="0"/>
+          </a:p>
+          <a:p>
+            <a:pPr marL="0" indent="0" algn="just">
+              <a:buNone/>
+            </a:pPr>
+            <a:r>
+              <a:rPr lang="en-GB" b="1" dirty="0" smtClean="0"/>
+              <a:t>Insight</a:t>
+            </a:r>
+            <a:r>
+              <a:rPr lang="en-GB" b="1" dirty="0"/>
+              <a:t>: </a:t>
+            </a:r>
+            <a:r>
+              <a:rPr lang="en-GB" dirty="0"/>
+              <a:t>The vast majority of reviews are positive (78.0%), indicating a strong signal for product quality. </a:t>
+            </a:r>
+            <a:endParaRPr lang="en-GB" dirty="0" smtClean="0"/>
+          </a:p>
+          <a:p>
+            <a:pPr algn="just">
+              <a:buFont typeface="Wingdings" panose="05000000000000000000" pitchFamily="2" charset="2"/>
+              <a:buChar char="Ø"/>
+            </a:pPr>
+            <a:r>
+              <a:rPr lang="en-GB" dirty="0" smtClean="0"/>
+              <a:t>Solution </a:t>
+            </a:r>
+            <a:r>
+              <a:rPr lang="en-GB" dirty="0"/>
+              <a:t>1: Prioritize and rank products with a higher volume of positive reviews in search results to improve relevance. </a:t>
+            </a:r>
+            <a:endParaRPr lang="en-GB" dirty="0" smtClean="0"/>
+          </a:p>
+          <a:p>
+            <a:pPr algn="just">
+              <a:buFont typeface="Wingdings" panose="05000000000000000000" pitchFamily="2" charset="2"/>
+              <a:buChar char="Ø"/>
+            </a:pPr>
+            <a:r>
+              <a:rPr lang="en-GB" dirty="0" smtClean="0"/>
+              <a:t>Solution 2</a:t>
+            </a:r>
+            <a:r>
+              <a:rPr lang="en-GB" dirty="0"/>
+              <a:t>: Enhance recommendation engines by personalizing suggestions based on a user's past </a:t>
+            </a:r>
+            <a:r>
+              <a:rPr lang="en-GB" dirty="0" err="1"/>
+              <a:t>behavior</a:t>
+            </a:r>
+            <a:r>
+              <a:rPr lang="en-GB" dirty="0"/>
+              <a:t> combined with the sentiment of reviews for potential products</a:t>
+            </a:r>
+            <a:endParaRPr dirty="0"/>
+          </a:p>
+        </p:txBody>
+      </p:sp>
+    </p:spTree>
+  </p:cSld>
+  <p:clrMapOvr>
+    <a:masterClrMapping/>
+  </p:clrMapOvr>
+</p:sld>
+</file>
+
+<file path=ppt/slides/slide17.xml><?xml version="1.0" encoding="utf-8"?>
+<p:sld xmlns:a="http://schemas.openxmlformats.org/drawingml/2006/main" xmlns:r="http://schemas.openxmlformats.org/officeDocument/2006/relationships" xmlns:p="http://schemas.openxmlformats.org/presentationml/2006/main">
+  <p:cSld>
+    <p:spTree>
+      <p:nvGrpSpPr>
+        <p:cNvPr id="1" name=""/>
+        <p:cNvGrpSpPr/>
+        <p:nvPr/>
+      </p:nvGrpSpPr>
+      <p:grpSpPr>
+        <a:xfrm>
+          <a:off x="0" y="0"/>
+          <a:ext cx="0" cy="0"/>
+          <a:chOff x="0" y="0"/>
+          <a:chExt cx="0" cy="0"/>
+        </a:xfrm>
+      </p:grpSpPr>
+      <p:sp>
+        <p:nvSpPr>
+          <p:cNvPr id="2" name="Title 1"/>
+          <p:cNvSpPr>
+            <a:spLocks noGrp="1"/>
+          </p:cNvSpPr>
+          <p:nvPr>
+            <p:ph type="title" idx="4294967295"/>
+          </p:nvPr>
+        </p:nvSpPr>
+        <p:spPr>
+          <a:xfrm>
+            <a:off x="802433" y="533303"/>
+            <a:ext cx="7500938" cy="1303337"/>
+          </a:xfrm>
+        </p:spPr>
+        <p:txBody>
+          <a:bodyPr>
+            <a:normAutofit/>
+          </a:bodyPr>
+          <a:lstStyle/>
+          <a:p>
+            <a:r>
+              <a:rPr lang="en-IN" dirty="0"/>
+              <a:t>Resolving Common Customer Issues</a:t>
+            </a:r>
+            <a:endParaRPr dirty="0"/>
+          </a:p>
+        </p:txBody>
+      </p:sp>
+      <p:sp>
+        <p:nvSpPr>
+          <p:cNvPr id="3" name="Content Placeholder 2"/>
+          <p:cNvSpPr>
+            <a:spLocks noGrp="1"/>
+          </p:cNvSpPr>
+          <p:nvPr>
+            <p:ph idx="4294967295"/>
+          </p:nvPr>
+        </p:nvSpPr>
+        <p:spPr>
+          <a:xfrm>
+            <a:off x="717679" y="1836640"/>
+            <a:ext cx="7810500" cy="3444875"/>
+          </a:xfrm>
+        </p:spPr>
+        <p:txBody>
+          <a:bodyPr>
+            <a:noAutofit/>
+          </a:bodyPr>
+          <a:lstStyle/>
+          <a:p>
+            <a:pPr marL="0" indent="0" algn="just">
+              <a:buNone/>
+            </a:pPr>
+            <a:r>
+              <a:rPr lang="en-GB" b="1" dirty="0"/>
+              <a:t>Problem: </a:t>
+            </a:r>
+            <a:r>
+              <a:rPr lang="en-GB" dirty="0"/>
+              <a:t>Negative customer experiences related to product and delivery lead to frustration and lost sales. </a:t>
+            </a:r>
+            <a:endParaRPr lang="en-GB" dirty="0" smtClean="0"/>
+          </a:p>
+          <a:p>
+            <a:pPr marL="0" indent="0" algn="just">
+              <a:buNone/>
+            </a:pPr>
+            <a:r>
+              <a:rPr lang="en-GB" b="1" dirty="0" smtClean="0"/>
+              <a:t>Insight</a:t>
+            </a:r>
+            <a:r>
+              <a:rPr lang="en-GB" b="1" dirty="0"/>
+              <a:t>: </a:t>
+            </a:r>
+            <a:r>
+              <a:rPr lang="en-GB" dirty="0"/>
+              <a:t>A word cloud analysis of negative reviews shows that common complaints are related to "</a:t>
+            </a:r>
+            <a:r>
+              <a:rPr lang="en-GB" dirty="0" err="1"/>
+              <a:t>flavor</a:t>
+            </a:r>
+            <a:r>
+              <a:rPr lang="en-GB" dirty="0"/>
+              <a:t>," "taste," "product," "package," and "box". </a:t>
+            </a:r>
+            <a:endParaRPr lang="en-GB" dirty="0" smtClean="0"/>
+          </a:p>
+          <a:p>
+            <a:pPr algn="just">
+              <a:buFont typeface="Wingdings" panose="05000000000000000000" pitchFamily="2" charset="2"/>
+              <a:buChar char="Ø"/>
+            </a:pPr>
+            <a:r>
+              <a:rPr lang="en-GB" dirty="0" smtClean="0"/>
+              <a:t>Solution</a:t>
+            </a:r>
+            <a:r>
+              <a:rPr lang="en-GB" dirty="0"/>
+              <a:t>: Proactively identify and address recurring issues with product quality (taste/</a:t>
+            </a:r>
+            <a:r>
+              <a:rPr lang="en-GB" dirty="0" err="1"/>
+              <a:t>flavor</a:t>
+            </a:r>
+            <a:r>
+              <a:rPr lang="en-GB" dirty="0"/>
+              <a:t>) and fix delivery or packaging problems that are frequently mentioned in negative feedback.</a:t>
+            </a:r>
+            <a:endParaRPr dirty="0"/>
+          </a:p>
+        </p:txBody>
+      </p:sp>
+    </p:spTree>
+    <p:extLst>
+      <p:ext uri="{BB962C8B-B14F-4D97-AF65-F5344CB8AC3E}">
+        <p14:creationId xmlns:p14="http://schemas.microsoft.com/office/powerpoint/2010/main" val="1588403739"/>
+      </p:ext>
+    </p:extLst>
+  </p:cSld>
+  <p:clrMapOvr>
+    <a:masterClrMapping/>
+  </p:clrMapOvr>
+</p:sld>
+</file>
+
+<file path=ppt/slides/slide18.xml><?xml version="1.0" encoding="utf-8"?>
+<p:sld xmlns:a="http://schemas.openxmlformats.org/drawingml/2006/main" xmlns:r="http://schemas.openxmlformats.org/officeDocument/2006/relationships" xmlns:p="http://schemas.openxmlformats.org/presentationml/2006/main">
+  <p:cSld>
+    <p:spTree>
+      <p:nvGrpSpPr>
+        <p:cNvPr id="1" name=""/>
+        <p:cNvGrpSpPr/>
+        <p:nvPr/>
+      </p:nvGrpSpPr>
+      <p:grpSpPr>
+        <a:xfrm>
+          <a:off x="0" y="0"/>
+          <a:ext cx="0" cy="0"/>
+          <a:chOff x="0" y="0"/>
+          <a:chExt cx="0" cy="0"/>
+        </a:xfrm>
+      </p:grpSpPr>
+      <p:sp>
+        <p:nvSpPr>
+          <p:cNvPr id="2" name="Title 1"/>
+          <p:cNvSpPr>
+            <a:spLocks noGrp="1"/>
+          </p:cNvSpPr>
+          <p:nvPr>
             <p:ph type="title"/>
           </p:nvPr>
         </p:nvSpPr>
@@ -6544,7 +6924,7 @@
 </p:sld>
 </file>
 
-<file path=ppt/slides/slide15.xml><?xml version="1.0" encoding="utf-8"?>
+<file path=ppt/slides/slide19.xml><?xml version="1.0" encoding="utf-8"?>
 <p:sld xmlns:a="http://schemas.openxmlformats.org/drawingml/2006/main" xmlns:r="http://schemas.openxmlformats.org/officeDocument/2006/relationships" xmlns:p="http://schemas.openxmlformats.org/presentationml/2006/main">
   <p:cSld>
     <p:spTree>
@@ -7277,9 +7657,10 @@
           <a:lstStyle/>
           <a:p>
             <a:r>
-              <a:rPr sz="4800" dirty="0"/>
-              <a:t>Dataset</a:t>
-            </a:r>
+              <a:rPr lang="en-IN" sz="4800" dirty="0" smtClean="0"/>
+              <a:t>Web Mining</a:t>
+            </a:r>
+            <a:endParaRPr sz="4800" dirty="0"/>
           </a:p>
         </p:txBody>
       </p:sp>
@@ -7301,63 +7682,43 @@
         </p:spPr>
         <p:txBody>
           <a:bodyPr>
-            <a:normAutofit/>
+            <a:normAutofit fontScale="92500" lnSpcReduction="10000"/>
           </a:bodyPr>
           <a:lstStyle/>
           <a:p>
             <a:r>
-              <a:rPr sz="3200" dirty="0"/>
-              <a:t>Amazon Fine Food Reviews (</a:t>
-            </a:r>
-            <a:r>
-              <a:rPr sz="3200" dirty="0" err="1"/>
-              <a:t>Kaggle</a:t>
-            </a:r>
-            <a:r>
-              <a:rPr sz="3200" dirty="0" smtClean="0"/>
-              <a:t>)</a:t>
-            </a:r>
-            <a:endParaRPr sz="3200" dirty="0"/>
-          </a:p>
-          <a:p>
-            <a:r>
-              <a:rPr sz="3200" dirty="0" smtClean="0"/>
-              <a:t>Fields </a:t>
-            </a:r>
-            <a:r>
-              <a:rPr sz="3200" dirty="0"/>
-              <a:t>used: Text, </a:t>
-            </a:r>
-            <a:r>
-              <a:rPr sz="3200" dirty="0" smtClean="0"/>
-              <a:t>Score</a:t>
-            </a:r>
-            <a:r>
               <a:rPr lang="en-IN" sz="3200" dirty="0" smtClean="0"/>
-              <a:t>, Summary, </a:t>
+              <a:t>We Scraped data from amazon website using React and Stored it in the CSV File</a:t>
+            </a:r>
+          </a:p>
+          <a:p>
+            <a:r>
+              <a:rPr lang="en-IN" sz="3200" dirty="0" smtClean="0"/>
+              <a:t>The data Included the product info and the reviews associated with it</a:t>
+            </a:r>
+          </a:p>
+          <a:p>
+            <a:r>
+              <a:rPr lang="en-IN" sz="3200" dirty="0" smtClean="0"/>
+              <a:t>The code is on </a:t>
             </a:r>
             <a:r>
               <a:rPr lang="en-IN" sz="3200" dirty="0" err="1" smtClean="0"/>
-              <a:t>ProductID</a:t>
-            </a:r>
-            <a:endParaRPr lang="en-IN" sz="3200" dirty="0" smtClean="0"/>
-          </a:p>
-          <a:p>
-            <a:r>
-              <a:rPr lang="en-IN" sz="3200" dirty="0" smtClean="0"/>
-              <a:t>Link - </a:t>
-            </a:r>
-            <a:r>
-              <a:rPr lang="en-IN" sz="3200" dirty="0">
-                <a:hlinkClick r:id="rId2"/>
-              </a:rPr>
-              <a:t>Amazon Fine Food Reviews</a:t>
-            </a:r>
-            <a:endParaRPr sz="3200" dirty="0"/>
+              <a:t>github</a:t>
+            </a:r>
+            <a:r>
+              <a:rPr lang="en-IN" sz="3200" dirty="0"/>
+              <a:t> - https://github.com/Aaditesh2307/Amazon-Reviews-Scraper.git</a:t>
+            </a:r>
           </a:p>
         </p:txBody>
       </p:sp>
     </p:spTree>
+    <p:extLst>
+      <p:ext uri="{BB962C8B-B14F-4D97-AF65-F5344CB8AC3E}">
+        <p14:creationId xmlns:p14="http://schemas.microsoft.com/office/powerpoint/2010/main" val="824607048"/>
+      </p:ext>
+    </p:extLst>
   </p:cSld>
   <p:clrMapOvr>
     <a:masterClrMapping/>
@@ -7396,60 +7757,52 @@
             <a:spLocks noGrp="1"/>
           </p:cNvSpPr>
           <p:nvPr>
-            <p:ph type="title" idx="4294967295"/>
-          </p:nvPr>
-        </p:nvSpPr>
-        <p:spPr>
-          <a:xfrm>
-            <a:off x="1176601" y="264319"/>
-            <a:ext cx="6799262" cy="1303337"/>
-          </a:xfrm>
-        </p:spPr>
-        <p:txBody>
-          <a:bodyPr/>
-          <a:lstStyle/>
-          <a:p>
-            <a:r>
-              <a:rPr dirty="0"/>
-              <a:t>Sentiment Distribution</a:t>
-            </a:r>
+            <p:ph type="title"/>
+          </p:nvPr>
+        </p:nvSpPr>
+        <p:spPr/>
+        <p:txBody>
+          <a:bodyPr>
+            <a:normAutofit/>
+          </a:bodyPr>
+          <a:lstStyle/>
+          <a:p>
+            <a:r>
+              <a:rPr lang="en-IN" sz="4800" dirty="0" smtClean="0"/>
+              <a:t>Web Mining Screenshots</a:t>
+            </a:r>
+            <a:endParaRPr sz="4800" dirty="0"/>
           </a:p>
         </p:txBody>
       </p:sp>
       <p:pic>
         <p:nvPicPr>
-          <p:cNvPr id="4" name="Picture 3" descr="sentiment_pie.png"/>
+          <p:cNvPr id="5" name="Picture 4"/>
           <p:cNvPicPr>
             <a:picLocks noChangeAspect="1"/>
           </p:cNvPicPr>
           <p:nvPr/>
         </p:nvPicPr>
         <p:blipFill>
-          <a:blip r:embed="rId2"/>
+          <a:blip r:embed="rId2">
+            <a:extLst>
+              <a:ext uri="{28A0092B-C50C-407E-A947-70E740481C1C}">
+                <a14:useLocalDpi xmlns:a14="http://schemas.microsoft.com/office/drawing/2010/main" val="0"/>
+              </a:ext>
+            </a:extLst>
+          </a:blip>
           <a:stretch>
             <a:fillRect/>
           </a:stretch>
         </p:blipFill>
         <p:spPr>
           <a:xfrm>
-            <a:off x="2241031" y="1447181"/>
-            <a:ext cx="4486340" cy="4486340"/>
+            <a:off x="703444" y="2116566"/>
+            <a:ext cx="7745577" cy="3640421"/>
           </a:xfrm>
           <a:prstGeom prst="rect">
             <a:avLst/>
           </a:prstGeom>
-          <a:ln w="88900" cap="sq" cmpd="thickThin">
-            <a:solidFill>
-              <a:srgbClr val="000000"/>
-            </a:solidFill>
-            <a:prstDash val="solid"/>
-            <a:miter lim="800000"/>
-          </a:ln>
-          <a:effectLst>
-            <a:innerShdw blurRad="76200">
-              <a:srgbClr val="000000"/>
-            </a:innerShdw>
-          </a:effectLst>
         </p:spPr>
       </p:pic>
     </p:spTree>
@@ -7491,13 +7844,13 @@
             <a:spLocks noGrp="1"/>
           </p:cNvSpPr>
           <p:nvPr>
-            <p:ph type="title" idx="4294967295"/>
-          </p:nvPr>
-        </p:nvSpPr>
-        <p:spPr>
-          <a:xfrm>
-            <a:off x="1247014" y="402805"/>
-            <a:ext cx="6799262" cy="1303337"/>
+            <p:ph type="title"/>
+          </p:nvPr>
+        </p:nvSpPr>
+        <p:spPr>
+          <a:xfrm>
+            <a:off x="1176866" y="566919"/>
+            <a:ext cx="6798734" cy="1303867"/>
           </a:xfrm>
         </p:spPr>
         <p:txBody>
@@ -7507,55 +7860,90 @@
           <a:lstStyle/>
           <a:p>
             <a:r>
-              <a:rPr lang="en-IN" dirty="0" smtClean="0"/>
-              <a:t>Distribution of Ratings</a:t>
-            </a:r>
-            <a:endParaRPr dirty="0"/>
+              <a:rPr lang="en-IN" sz="4800" dirty="0" smtClean="0"/>
+              <a:t>Web Mining Screenshots</a:t>
+            </a:r>
+            <a:endParaRPr sz="4800" dirty="0"/>
           </a:p>
         </p:txBody>
       </p:sp>
       <p:pic>
         <p:nvPicPr>
-          <p:cNvPr id="5" name="Picture 4"/>
+          <p:cNvPr id="3" name="Picture 2"/>
           <p:cNvPicPr>
             <a:picLocks noChangeAspect="1"/>
           </p:cNvPicPr>
           <p:nvPr/>
         </p:nvPicPr>
         <p:blipFill>
-          <a:blip r:embed="rId2"/>
+          <a:blip r:embed="rId2">
+            <a:extLst>
+              <a:ext uri="{28A0092B-C50C-407E-A947-70E740481C1C}">
+                <a14:useLocalDpi xmlns:a14="http://schemas.microsoft.com/office/drawing/2010/main" val="0"/>
+              </a:ext>
+            </a:extLst>
+          </a:blip>
           <a:stretch>
             <a:fillRect/>
           </a:stretch>
         </p:blipFill>
         <p:spPr>
           <a:xfrm>
-            <a:off x="1483470" y="1514474"/>
-            <a:ext cx="6326349" cy="4399987"/>
-          </a:xfrm>
-          <a:prstGeom prst="roundRect">
-            <a:avLst>
-              <a:gd name="adj" fmla="val 8594"/>
-            </a:avLst>
+            <a:off x="1531429" y="1870786"/>
+            <a:ext cx="2280556" cy="4338735"/>
+          </a:xfrm>
+          <a:prstGeom prst="rect">
+            <a:avLst/>
           </a:prstGeom>
-          <a:solidFill>
-            <a:srgbClr val="FFFFFF">
-              <a:shade val="85000"/>
-            </a:srgbClr>
-          </a:solidFill>
-          <a:ln>
-            <a:noFill/>
-          </a:ln>
-          <a:effectLst>
-            <a:reflection blurRad="12700" stA="38000" endPos="28000" dist="5000" dir="5400000" sy="-100000" algn="bl" rotWithShape="0"/>
-          </a:effectLst>
+        </p:spPr>
+      </p:pic>
+      <p:pic>
+        <p:nvPicPr>
+          <p:cNvPr id="4" name="Picture 3"/>
+          <p:cNvPicPr>
+            <a:picLocks noChangeAspect="1"/>
+          </p:cNvPicPr>
+          <p:nvPr/>
+        </p:nvPicPr>
+        <p:blipFill>
+          <a:blip r:embed="rId3">
+            <a:extLst>
+              <a:ext uri="{28A0092B-C50C-407E-A947-70E740481C1C}">
+                <a14:useLocalDpi xmlns:a14="http://schemas.microsoft.com/office/drawing/2010/main" val="0"/>
+              </a:ext>
+            </a:extLst>
+          </a:blip>
+          <a:stretch>
+            <a:fillRect/>
+          </a:stretch>
+        </p:blipFill>
+        <p:spPr>
+          <a:xfrm>
+            <a:off x="4989645" y="1870786"/>
+            <a:ext cx="2301992" cy="4338735"/>
+          </a:xfrm>
+          <a:prstGeom prst="rect">
+            <a:avLst/>
+          </a:prstGeom>
         </p:spPr>
       </p:pic>
     </p:spTree>
+    <p:extLst>
+      <p:ext uri="{BB962C8B-B14F-4D97-AF65-F5344CB8AC3E}">
+        <p14:creationId xmlns:p14="http://schemas.microsoft.com/office/powerpoint/2010/main" val="2862274010"/>
+      </p:ext>
+    </p:extLst>
   </p:cSld>
   <p:clrMapOvr>
     <a:masterClrMapping/>
   </p:clrMapOvr>
+  <p:timing>
+    <p:tnLst>
+      <p:par>
+        <p:cTn id="1" dur="indefinite" restart="never" nodeType="tmRoot"/>
+      </p:par>
+    </p:tnLst>
+  </p:timing>
 </p:sld>
 </file>
 
@@ -7583,24 +7971,21 @@
             <a:spLocks noGrp="1"/>
           </p:cNvSpPr>
           <p:nvPr>
-            <p:ph type="title" idx="4294967295"/>
-          </p:nvPr>
-        </p:nvSpPr>
-        <p:spPr>
-          <a:xfrm>
-            <a:off x="1247014" y="402805"/>
-            <a:ext cx="6799262" cy="1303337"/>
-          </a:xfrm>
-        </p:spPr>
-        <p:txBody>
-          <a:bodyPr/>
-          <a:lstStyle/>
-          <a:p>
-            <a:r>
-              <a:rPr lang="en-IN" dirty="0" smtClean="0"/>
-              <a:t>Distribution of Sentiment</a:t>
-            </a:r>
-            <a:endParaRPr dirty="0"/>
+            <p:ph type="title"/>
+          </p:nvPr>
+        </p:nvSpPr>
+        <p:spPr/>
+        <p:txBody>
+          <a:bodyPr>
+            <a:normAutofit/>
+          </a:bodyPr>
+          <a:lstStyle/>
+          <a:p>
+            <a:r>
+              <a:rPr lang="en-IN" sz="4800" dirty="0" smtClean="0"/>
+              <a:t>Web Mining Screenshots</a:t>
+            </a:r>
+            <a:endParaRPr sz="4800" dirty="0"/>
           </a:p>
         </p:txBody>
       </p:sp>
@@ -7613,44 +7998,74 @@
           <p:nvPr/>
         </p:nvPicPr>
         <p:blipFill>
-          <a:blip r:embed="rId2"/>
+          <a:blip r:embed="rId2">
+            <a:extLst>
+              <a:ext uri="{28A0092B-C50C-407E-A947-70E740481C1C}">
+                <a14:useLocalDpi xmlns:a14="http://schemas.microsoft.com/office/drawing/2010/main" val="0"/>
+              </a:ext>
+            </a:extLst>
+          </a:blip>
           <a:stretch>
             <a:fillRect/>
           </a:stretch>
         </p:blipFill>
         <p:spPr>
           <a:xfrm>
-            <a:off x="1684078" y="1640828"/>
-            <a:ext cx="5925133" cy="4120940"/>
-          </a:xfrm>
-          <a:prstGeom prst="roundRect">
-            <a:avLst>
-              <a:gd name="adj" fmla="val 8594"/>
-            </a:avLst>
+            <a:off x="1540443" y="1982755"/>
+            <a:ext cx="2303770" cy="4299730"/>
+          </a:xfrm>
+          <a:prstGeom prst="rect">
+            <a:avLst/>
           </a:prstGeom>
-          <a:solidFill>
-            <a:srgbClr val="FFFFFF">
-              <a:shade val="85000"/>
-            </a:srgbClr>
-          </a:solidFill>
-          <a:ln>
-            <a:noFill/>
-          </a:ln>
-          <a:effectLst>
-            <a:reflection blurRad="12700" stA="38000" endPos="28000" dist="5000" dir="5400000" sy="-100000" algn="bl" rotWithShape="0"/>
-          </a:effectLst>
+        </p:spPr>
+      </p:pic>
+      <p:pic>
+        <p:nvPicPr>
+          <p:cNvPr id="4" name="Picture 3"/>
+          <p:cNvPicPr>
+            <a:picLocks noChangeAspect="1"/>
+          </p:cNvPicPr>
+          <p:nvPr/>
+        </p:nvPicPr>
+        <p:blipFill>
+          <a:blip r:embed="rId3">
+            <a:extLst>
+              <a:ext uri="{28A0092B-C50C-407E-A947-70E740481C1C}">
+                <a14:useLocalDpi xmlns:a14="http://schemas.microsoft.com/office/drawing/2010/main" val="0"/>
+              </a:ext>
+            </a:extLst>
+          </a:blip>
+          <a:stretch>
+            <a:fillRect/>
+          </a:stretch>
+        </p:blipFill>
+        <p:spPr>
+          <a:xfrm>
+            <a:off x="5158767" y="1982755"/>
+            <a:ext cx="2324384" cy="4290066"/>
+          </a:xfrm>
+          <a:prstGeom prst="rect">
+            <a:avLst/>
+          </a:prstGeom>
         </p:spPr>
       </p:pic>
     </p:spTree>
     <p:extLst>
       <p:ext uri="{BB962C8B-B14F-4D97-AF65-F5344CB8AC3E}">
-        <p14:creationId xmlns:p14="http://schemas.microsoft.com/office/powerpoint/2010/main" val="1025759152"/>
+        <p14:creationId xmlns:p14="http://schemas.microsoft.com/office/powerpoint/2010/main" val="911191887"/>
       </p:ext>
     </p:extLst>
   </p:cSld>
   <p:clrMapOvr>
     <a:masterClrMapping/>
   </p:clrMapOvr>
+  <p:timing>
+    <p:tnLst>
+      <p:par>
+        <p:cTn id="1" dur="indefinite" restart="never" nodeType="tmRoot"/>
+      </p:par>
+    </p:tnLst>
+  </p:timing>
 </p:sld>
 </file>
 
@@ -7678,73 +8093,114 @@
             <a:spLocks noGrp="1"/>
           </p:cNvSpPr>
           <p:nvPr>
-            <p:ph type="title" idx="4294967295"/>
-          </p:nvPr>
-        </p:nvSpPr>
-        <p:spPr>
-          <a:xfrm>
-            <a:off x="1247014" y="402805"/>
-            <a:ext cx="6799262" cy="1303337"/>
-          </a:xfrm>
-        </p:spPr>
-        <p:txBody>
-          <a:bodyPr/>
-          <a:lstStyle/>
-          <a:p>
-            <a:r>
-              <a:rPr dirty="0"/>
-              <a:t>Average Rating by Sentiment</a:t>
-            </a:r>
-          </a:p>
-        </p:txBody>
-      </p:sp>
-      <p:pic>
-        <p:nvPicPr>
-          <p:cNvPr id="4" name="Picture 3" descr="avg_rating_by_sentiment.png"/>
-          <p:cNvPicPr>
-            <a:picLocks noChangeAspect="1"/>
-          </p:cNvPicPr>
-          <p:nvPr/>
-        </p:nvPicPr>
-        <p:blipFill>
-          <a:blip r:embed="rId2"/>
-          <a:stretch>
-            <a:fillRect/>
-          </a:stretch>
-        </p:blipFill>
-        <p:spPr>
-          <a:xfrm>
-            <a:off x="1557746" y="1573142"/>
-            <a:ext cx="6177798" cy="4118532"/>
-          </a:xfrm>
-          <a:prstGeom prst="roundRect">
-            <a:avLst>
-              <a:gd name="adj" fmla="val 8594"/>
-            </a:avLst>
-          </a:prstGeom>
-          <a:solidFill>
-            <a:srgbClr val="FFFFFF">
-              <a:shade val="85000"/>
-            </a:srgbClr>
-          </a:solidFill>
-          <a:ln>
-            <a:noFill/>
-          </a:ln>
-          <a:effectLst>
-            <a:reflection blurRad="12700" stA="38000" endPos="28000" dist="5000" dir="5400000" sy="-100000" algn="bl" rotWithShape="0"/>
-          </a:effectLst>
-        </p:spPr>
-      </p:pic>
+            <p:ph type="title"/>
+          </p:nvPr>
+        </p:nvSpPr>
+        <p:spPr/>
+        <p:txBody>
+          <a:bodyPr>
+            <a:normAutofit/>
+          </a:bodyPr>
+          <a:lstStyle/>
+          <a:p>
+            <a:r>
+              <a:rPr sz="4800" dirty="0"/>
+              <a:t>Dataset</a:t>
+            </a:r>
+          </a:p>
+        </p:txBody>
+      </p:sp>
+      <p:sp>
+        <p:nvSpPr>
+          <p:cNvPr id="3" name="Content Placeholder 2"/>
+          <p:cNvSpPr>
+            <a:spLocks noGrp="1"/>
+          </p:cNvSpPr>
+          <p:nvPr>
+            <p:ph idx="1"/>
+          </p:nvPr>
+        </p:nvSpPr>
+        <p:spPr>
+          <a:xfrm>
+            <a:off x="1176864" y="2490135"/>
+            <a:ext cx="7174033" cy="3444997"/>
+          </a:xfrm>
+        </p:spPr>
+        <p:txBody>
+          <a:bodyPr>
+            <a:normAutofit/>
+          </a:bodyPr>
+          <a:lstStyle/>
+          <a:p>
+            <a:r>
+              <a:rPr sz="3200" dirty="0"/>
+              <a:t>Amazon Fine Food Reviews (</a:t>
+            </a:r>
+            <a:r>
+              <a:rPr sz="3200" dirty="0" err="1"/>
+              <a:t>Kaggle</a:t>
+            </a:r>
+            <a:r>
+              <a:rPr sz="3200" dirty="0" smtClean="0"/>
+              <a:t>)</a:t>
+            </a:r>
+            <a:endParaRPr sz="3200" dirty="0"/>
+          </a:p>
+          <a:p>
+            <a:r>
+              <a:rPr sz="3200" dirty="0" smtClean="0"/>
+              <a:t>Fields </a:t>
+            </a:r>
+            <a:r>
+              <a:rPr sz="3200" dirty="0"/>
+              <a:t>used: Text, </a:t>
+            </a:r>
+            <a:r>
+              <a:rPr sz="3200" dirty="0" smtClean="0"/>
+              <a:t>Score</a:t>
+            </a:r>
+            <a:r>
+              <a:rPr lang="en-IN" sz="3200" dirty="0" smtClean="0"/>
+              <a:t>, Summary, </a:t>
+            </a:r>
+            <a:r>
+              <a:rPr lang="en-IN" sz="3200" dirty="0" err="1" smtClean="0"/>
+              <a:t>ProductID</a:t>
+            </a:r>
+            <a:endParaRPr lang="en-IN" sz="3200" dirty="0" smtClean="0"/>
+          </a:p>
+          <a:p>
+            <a:r>
+              <a:rPr lang="en-IN" sz="3200" dirty="0" smtClean="0"/>
+              <a:t>Link - </a:t>
+            </a:r>
+            <a:r>
+              <a:rPr lang="en-IN" sz="3200" dirty="0">
+                <a:hlinkClick r:id="rId2"/>
+              </a:rPr>
+              <a:t>Amazon Fine Food Reviews</a:t>
+            </a:r>
+            <a:endParaRPr sz="3200" dirty="0"/>
+          </a:p>
+        </p:txBody>
+      </p:sp>
     </p:spTree>
     <p:extLst>
       <p:ext uri="{BB962C8B-B14F-4D97-AF65-F5344CB8AC3E}">
-        <p14:creationId xmlns:p14="http://schemas.microsoft.com/office/powerpoint/2010/main" val="1038013026"/>
+        <p14:creationId xmlns:p14="http://schemas.microsoft.com/office/powerpoint/2010/main" val="1727370450"/>
       </p:ext>
     </p:extLst>
   </p:cSld>
   <p:clrMapOvr>
     <a:masterClrMapping/>
   </p:clrMapOvr>
+  <p:timing>
+    <p:tnLst>
+      <p:par>
+        <p:cTn id="1" dur="indefinite" restart="never" nodeType="tmRoot"/>
+      </p:par>
+    </p:tnLst>
+  </p:timing>
 </p:sld>
 </file>
 
